--- a/dersler/Ders 5 - Sistem Modelleme.pptx
+++ b/dersler/Ders 5 - Sistem Modelleme.pptx
@@ -293,7 +293,7 @@
           <a:p>
             <a:fld id="{6CAD25C6-313E-4545-B4B5-AC2334263EEA}" type="datetimeFigureOut">
               <a:rPr lang="en-US" smtClean="0"/>
-              <a:t>4/3/2021</a:t>
+              <a:t>4/11/2021</a:t>
             </a:fld>
             <a:endParaRPr lang="en-US"/>
           </a:p>
@@ -459,7 +459,7 @@
           <a:p>
             <a:fld id="{24D3C50A-ECEA-8349-9BCF-E4AC4170F50E}" type="datetimeFigureOut">
               <a:rPr lang="en-US" smtClean="0"/>
-              <a:t>4/3/2021</a:t>
+              <a:t>4/11/2021</a:t>
             </a:fld>
             <a:endParaRPr lang="en-US"/>
           </a:p>
@@ -1000,7 +1000,7 @@
             </a:pPr>
             <a:fld id="{7822F52E-DFEC-CF4E-9154-12D1BED15C4B}" type="datetime1">
               <a:rPr lang="en-US" smtClean="0"/>
-              <a:t>4/3/2021</a:t>
+              <a:t>4/11/2021</a:t>
             </a:fld>
             <a:endParaRPr lang="en-US"/>
           </a:p>
@@ -1217,7 +1217,7 @@
             </a:pPr>
             <a:fld id="{A72FE822-76AE-3746-8338-468ADE492E9E}" type="datetime1">
               <a:rPr lang="en-US" smtClean="0"/>
-              <a:t>4/3/2021</a:t>
+              <a:t>4/11/2021</a:t>
             </a:fld>
             <a:endParaRPr lang="en-US"/>
           </a:p>
@@ -1439,7 +1439,7 @@
             </a:pPr>
             <a:fld id="{8DC00C6F-8C67-1B43-80E9-CFE97FD9DFA1}" type="datetime1">
               <a:rPr lang="en-US" smtClean="0"/>
-              <a:t>4/3/2021</a:t>
+              <a:t>4/11/2021</a:t>
             </a:fld>
             <a:endParaRPr lang="en-US"/>
           </a:p>
@@ -1911,7 +1911,7 @@
             </a:pPr>
             <a:fld id="{FFDF728F-A2D9-DE49-9AC0-08E4CCFC3CBD}" type="datetime1">
               <a:rPr lang="en-US" smtClean="0"/>
-              <a:t>4/3/2021</a:t>
+              <a:t>4/11/2021</a:t>
             </a:fld>
             <a:endParaRPr lang="en-US"/>
           </a:p>
@@ -2199,7 +2199,7 @@
             </a:pPr>
             <a:fld id="{B6C57837-DD6D-C848-91B2-CB84389E4898}" type="datetime1">
               <a:rPr lang="en-US" smtClean="0"/>
-              <a:t>4/3/2021</a:t>
+              <a:t>4/11/2021</a:t>
             </a:fld>
             <a:endParaRPr lang="en-US"/>
           </a:p>
@@ -2532,7 +2532,7 @@
             </a:pPr>
             <a:fld id="{D0B8C665-7139-DE43-9391-7A97C447FA1A}" type="datetime1">
               <a:rPr lang="en-US" smtClean="0"/>
-              <a:t>4/3/2021</a:t>
+              <a:t>4/11/2021</a:t>
             </a:fld>
             <a:endParaRPr lang="en-US"/>
           </a:p>
@@ -3005,7 +3005,7 @@
             </a:pPr>
             <a:fld id="{B36C6B15-2585-5C47-A65D-F349E6DD2A9B}" type="datetime1">
               <a:rPr lang="en-US" smtClean="0"/>
-              <a:t>4/3/2021</a:t>
+              <a:t>4/11/2021</a:t>
             </a:fld>
             <a:endParaRPr lang="en-US"/>
           </a:p>
@@ -3162,7 +3162,7 @@
             </a:pPr>
             <a:fld id="{F1CC1C80-1CA0-B74D-B2D0-A4B5EA1E22AD}" type="datetime1">
               <a:rPr lang="en-US" smtClean="0"/>
-              <a:t>4/3/2021</a:t>
+              <a:t>4/11/2021</a:t>
             </a:fld>
             <a:endParaRPr lang="en-US"/>
           </a:p>
@@ -3296,7 +3296,7 @@
             </a:pPr>
             <a:fld id="{8A237EE1-1982-F94A-9074-6B57976F77EF}" type="datetime1">
               <a:rPr lang="en-US" smtClean="0"/>
-              <a:t>4/3/2021</a:t>
+              <a:t>4/11/2021</a:t>
             </a:fld>
             <a:endParaRPr lang="en-US"/>
           </a:p>
@@ -3618,7 +3618,7 @@
             </a:pPr>
             <a:fld id="{C7AB28E7-72C6-6642-A20C-3227154F59A3}" type="datetime1">
               <a:rPr lang="en-US" smtClean="0"/>
-              <a:t>4/3/2021</a:t>
+              <a:t>4/11/2021</a:t>
             </a:fld>
             <a:endParaRPr lang="en-US"/>
           </a:p>
@@ -3921,7 +3921,7 @@
             </a:pPr>
             <a:fld id="{B2E3FBCA-5989-E440-A1A0-93004286AB6A}" type="datetime1">
               <a:rPr lang="en-US" smtClean="0"/>
-              <a:t>4/3/2021</a:t>
+              <a:t>4/11/2021</a:t>
             </a:fld>
             <a:endParaRPr lang="en-US"/>
           </a:p>
@@ -4126,7 +4126,7 @@
             </a:pPr>
             <a:fld id="{7823DC5D-7ACB-A846-A411-E90AA88C6704}" type="datetime1">
               <a:rPr lang="en-US" smtClean="0"/>
-              <a:t>4/3/2021</a:t>
+              <a:t>4/11/2021</a:t>
             </a:fld>
             <a:endParaRPr lang="en-US"/>
           </a:p>
@@ -5672,7 +5672,7 @@
           <p:nvPr/>
         </p:nvPicPr>
         <mc:AlternateContent xmlns:mc="http://schemas.openxmlformats.org/markup-compatibility/2006">
-          <mc:Choice xmlns="" xmlns:mv="urn:schemas-microsoft-com:mac:vml" xmlns:ma="http://schemas.microsoft.com/office/mac/drawingml/2008/main" Requires="ma">
+          <mc:Choice xmlns:ma="http://schemas.microsoft.com/office/mac/drawingml/2008/main" xmlns:mv="urn:schemas-microsoft-com:mac:vml" xmlns="" Requires="ma">
             <p:blipFill>
               <a:blip r:embed="rId2"/>
               <a:stretch>
@@ -6086,7 +6086,7 @@
           <p:nvPr/>
         </p:nvPicPr>
         <mc:AlternateContent xmlns:mc="http://schemas.openxmlformats.org/markup-compatibility/2006">
-          <mc:Choice xmlns="" xmlns:mv="urn:schemas-microsoft-com:mac:vml" xmlns:ma="http://schemas.microsoft.com/office/mac/drawingml/2008/main" Requires="ma">
+          <mc:Choice xmlns:ma="http://schemas.microsoft.com/office/mac/drawingml/2008/main" xmlns:mv="urn:schemas-microsoft-com:mac:vml" xmlns="" Requires="ma">
             <p:blipFill>
               <a:blip r:embed="rId2"/>
               <a:stretch>
@@ -6958,7 +6958,7 @@
           <p:nvPr/>
         </p:nvPicPr>
         <mc:AlternateContent xmlns:mc="http://schemas.openxmlformats.org/markup-compatibility/2006">
-          <mc:Choice xmlns="" xmlns:mv="urn:schemas-microsoft-com:mac:vml" xmlns:ma="http://schemas.microsoft.com/office/mac/drawingml/2008/main" Requires="ma">
+          <mc:Choice xmlns:ma="http://schemas.microsoft.com/office/mac/drawingml/2008/main" xmlns:mv="urn:schemas-microsoft-com:mac:vml" xmlns="" Requires="ma">
             <p:blipFill>
               <a:blip r:embed="rId2"/>
               <a:stretch>
@@ -8297,7 +8297,7 @@
           <p:nvPr/>
         </p:nvPicPr>
         <mc:AlternateContent xmlns:mc="http://schemas.openxmlformats.org/markup-compatibility/2006">
-          <mc:Choice xmlns="" xmlns:mv="urn:schemas-microsoft-com:mac:vml" xmlns:ma="http://schemas.microsoft.com/office/mac/drawingml/2008/main" Requires="ma">
+          <mc:Choice xmlns:ma="http://schemas.microsoft.com/office/mac/drawingml/2008/main" xmlns:mv="urn:schemas-microsoft-com:mac:vml" xmlns="" Requires="ma">
             <p:blipFill>
               <a:blip r:embed="rId2"/>
               <a:stretch>
@@ -8692,7 +8692,7 @@
           <p:nvPr/>
         </p:nvPicPr>
         <mc:AlternateContent xmlns:mc="http://schemas.openxmlformats.org/markup-compatibility/2006">
-          <mc:Choice xmlns="" xmlns:mv="urn:schemas-microsoft-com:mac:vml" xmlns:ma="http://schemas.microsoft.com/office/mac/drawingml/2008/main" Requires="ma">
+          <mc:Choice xmlns:ma="http://schemas.microsoft.com/office/mac/drawingml/2008/main" xmlns:mv="urn:schemas-microsoft-com:mac:vml" xmlns="" Requires="ma">
             <p:blipFill>
               <a:blip r:embed="rId2"/>
               <a:stretch>
@@ -9120,7 +9120,7 @@
           <p:nvPr/>
         </p:nvPicPr>
         <mc:AlternateContent xmlns:mc="http://schemas.openxmlformats.org/markup-compatibility/2006">
-          <mc:Choice xmlns="" xmlns:mv="urn:schemas-microsoft-com:mac:vml" xmlns:ma="http://schemas.microsoft.com/office/mac/drawingml/2008/main" Requires="ma">
+          <mc:Choice xmlns:ma="http://schemas.microsoft.com/office/mac/drawingml/2008/main" xmlns:mv="urn:schemas-microsoft-com:mac:vml" xmlns="" Requires="ma">
             <p:blipFill>
               <a:blip r:embed="rId2"/>
               <a:stretch>
@@ -9798,7 +9798,7 @@
           <p:nvPr/>
         </p:nvPicPr>
         <mc:AlternateContent xmlns:mc="http://schemas.openxmlformats.org/markup-compatibility/2006">
-          <mc:Choice xmlns="" xmlns:mv="urn:schemas-microsoft-com:mac:vml" xmlns:ma="http://schemas.microsoft.com/office/mac/drawingml/2008/main" Requires="ma">
+          <mc:Choice xmlns:ma="http://schemas.microsoft.com/office/mac/drawingml/2008/main" xmlns:mv="urn:schemas-microsoft-com:mac:vml" xmlns="" Requires="ma">
             <p:blipFill>
               <a:blip r:embed="rId2"/>
               <a:stretch>
@@ -10042,7 +10042,7 @@
           <p:nvPr/>
         </p:nvPicPr>
         <mc:AlternateContent xmlns:mc="http://schemas.openxmlformats.org/markup-compatibility/2006">
-          <mc:Choice xmlns="" xmlns:mv="urn:schemas-microsoft-com:mac:vml" xmlns:ma="http://schemas.microsoft.com/office/mac/drawingml/2008/main" Requires="ma">
+          <mc:Choice xmlns:ma="http://schemas.microsoft.com/office/mac/drawingml/2008/main" xmlns:mv="urn:schemas-microsoft-com:mac:vml" xmlns="" Requires="ma">
             <p:blipFill>
               <a:blip r:embed="rId2"/>
               <a:stretch>
@@ -10227,7 +10227,7 @@
           <p:nvPr/>
         </p:nvPicPr>
         <mc:AlternateContent xmlns:mc="http://schemas.openxmlformats.org/markup-compatibility/2006">
-          <mc:Choice xmlns="" xmlns:mv="urn:schemas-microsoft-com:mac:vml" xmlns:ma="http://schemas.microsoft.com/office/mac/drawingml/2008/main" Requires="ma">
+          <mc:Choice xmlns:ma="http://schemas.microsoft.com/office/mac/drawingml/2008/main" xmlns:mv="urn:schemas-microsoft-com:mac:vml" xmlns="" Requires="ma">
             <p:blipFill>
               <a:blip r:embed="rId2"/>
               <a:stretch>
@@ -11621,7 +11621,7 @@
           <p:nvPr/>
         </p:nvPicPr>
         <mc:AlternateContent xmlns:mc="http://schemas.openxmlformats.org/markup-compatibility/2006">
-          <mc:Choice xmlns="" xmlns:mv="urn:schemas-microsoft-com:mac:vml" xmlns:ma="http://schemas.microsoft.com/office/mac/drawingml/2008/main" Requires="ma">
+          <mc:Choice xmlns:ma="http://schemas.microsoft.com/office/mac/drawingml/2008/main" xmlns:mv="urn:schemas-microsoft-com:mac:vml" xmlns="" Requires="ma">
             <p:blipFill>
               <a:blip r:embed="rId2"/>
               <a:stretch>
@@ -11836,7 +11836,7 @@
           <p:nvPr/>
         </p:nvPicPr>
         <mc:AlternateContent xmlns:mc="http://schemas.openxmlformats.org/markup-compatibility/2006">
-          <mc:Choice xmlns="" xmlns:mv="urn:schemas-microsoft-com:mac:vml" xmlns:ma="http://schemas.microsoft.com/office/mac/drawingml/2008/main" Requires="ma">
+          <mc:Choice xmlns:ma="http://schemas.microsoft.com/office/mac/drawingml/2008/main" xmlns:mv="urn:schemas-microsoft-com:mac:vml" xmlns="" Requires="ma">
             <p:blipFill>
               <a:blip r:embed="rId2"/>
               <a:stretch>
@@ -12201,7 +12201,7 @@
           <p:nvPr/>
         </p:nvPicPr>
         <mc:AlternateContent xmlns:mc="http://schemas.openxmlformats.org/markup-compatibility/2006">
-          <mc:Choice xmlns="" xmlns:mv="urn:schemas-microsoft-com:mac:vml" xmlns:ma="http://schemas.microsoft.com/office/mac/drawingml/2008/main" Requires="ma">
+          <mc:Choice xmlns:ma="http://schemas.microsoft.com/office/mac/drawingml/2008/main" xmlns:mv="urn:schemas-microsoft-com:mac:vml" xmlns="" Requires="ma">
             <p:blipFill>
               <a:blip r:embed="rId2"/>
               <a:stretch>
@@ -12800,7 +12800,7 @@
           <p:nvPr/>
         </p:nvPicPr>
         <mc:AlternateContent xmlns:mc="http://schemas.openxmlformats.org/markup-compatibility/2006">
-          <mc:Choice xmlns="" xmlns:mv="urn:schemas-microsoft-com:mac:vml" xmlns:ma="http://schemas.microsoft.com/office/mac/drawingml/2008/main" Requires="ma">
+          <mc:Choice xmlns:ma="http://schemas.microsoft.com/office/mac/drawingml/2008/main" xmlns:mv="urn:schemas-microsoft-com:mac:vml" xmlns="" Requires="ma">
             <p:blipFill>
               <a:blip r:embed="rId2"/>
               <a:stretch>
@@ -13022,7 +13022,7 @@
           <p:nvPr/>
         </p:nvPicPr>
         <mc:AlternateContent xmlns:mc="http://schemas.openxmlformats.org/markup-compatibility/2006">
-          <mc:Choice xmlns="" xmlns:mv="urn:schemas-microsoft-com:mac:vml" xmlns:ma="http://schemas.microsoft.com/office/mac/drawingml/2008/main" Requires="ma">
+          <mc:Choice xmlns:ma="http://schemas.microsoft.com/office/mac/drawingml/2008/main" xmlns:mv="urn:schemas-microsoft-com:mac:vml" xmlns="" Requires="ma">
             <p:blipFill>
               <a:blip r:embed="rId2"/>
               <a:stretch>
@@ -13832,7 +13832,7 @@
           <p:nvPr/>
         </p:nvPicPr>
         <mc:AlternateContent xmlns:mc="http://schemas.openxmlformats.org/markup-compatibility/2006">
-          <mc:Choice xmlns="" xmlns:mv="urn:schemas-microsoft-com:mac:vml" xmlns:ma="http://schemas.microsoft.com/office/mac/drawingml/2008/main" Requires="ma">
+          <mc:Choice xmlns:ma="http://schemas.microsoft.com/office/mac/drawingml/2008/main" xmlns:mv="urn:schemas-microsoft-com:mac:vml" xmlns="" Requires="ma">
             <p:blipFill>
               <a:blip r:embed="rId2"/>
               <a:stretch>
@@ -17124,7 +17124,7 @@
           <p:nvPr/>
         </p:nvPicPr>
         <mc:AlternateContent xmlns:mc="http://schemas.openxmlformats.org/markup-compatibility/2006">
-          <mc:Choice xmlns="" xmlns:mv="urn:schemas-microsoft-com:mac:vml" xmlns:ma="http://schemas.microsoft.com/office/mac/drawingml/2008/main" Requires="ma">
+          <mc:Choice xmlns:ma="http://schemas.microsoft.com/office/mac/drawingml/2008/main" xmlns:mv="urn:schemas-microsoft-com:mac:vml" xmlns="" Requires="ma">
             <p:blipFill>
               <a:blip r:embed="rId2"/>
               <a:stretch>
@@ -17965,7 +17965,37 @@
                 <a:effectLst/>
                 <a:latin typeface="Times New Roman" panose="02020603050405020304" pitchFamily="18" charset="0"/>
               </a:rPr>
-              <a:t>Farklı soyutlama seviyelerinde modeller yaratılır. Yüksek seviyeli, platformdan bağımsız bir modelden, prensip olarak, manuel müdahale olmaksızın bir çalışma programı oluşturmak mümkündür.</a:t>
+              <a:t>Farklı soyutlama seviyelerinde modeller </a:t>
+            </a:r>
+            <a:r>
+              <a:rPr lang="en-US" sz="2600" b="0" i="0" noProof="0" dirty="0" err="1" smtClean="0">
+                <a:solidFill>
+                  <a:srgbClr val="000000"/>
+                </a:solidFill>
+                <a:effectLst/>
+                <a:latin typeface="Times New Roman" panose="02020603050405020304" pitchFamily="18" charset="0"/>
+              </a:rPr>
+              <a:t>üretilir</a:t>
+            </a:r>
+            <a:r>
+              <a:rPr lang="tr-TR" sz="2600" b="0" i="0" noProof="0" dirty="0" smtClean="0">
+                <a:solidFill>
+                  <a:srgbClr val="000000"/>
+                </a:solidFill>
+                <a:effectLst/>
+                <a:latin typeface="Times New Roman" panose="02020603050405020304" pitchFamily="18" charset="0"/>
+              </a:rPr>
+              <a:t>.</a:t>
+            </a:r>
+            <a:r>
+              <a:rPr lang="tr-TR" sz="2600" b="0" i="0" noProof="0" dirty="0">
+                <a:solidFill>
+                  <a:srgbClr val="000000"/>
+                </a:solidFill>
+                <a:effectLst/>
+                <a:latin typeface="Times New Roman" panose="02020603050405020304" pitchFamily="18" charset="0"/>
+              </a:rPr>
+              <a:t> Yüksek seviyeli, platformdan bağımsız bir modelden, prensip olarak, manuel müdahale olmaksızın bir çalışma programı oluşturmak mümkündür.</a:t>
             </a:r>
           </a:p>
         </p:txBody>
@@ -18403,7 +18433,7 @@
           <p:nvPr/>
         </p:nvPicPr>
         <mc:AlternateContent xmlns:mc="http://schemas.openxmlformats.org/markup-compatibility/2006">
-          <mc:Choice xmlns="" xmlns:mv="urn:schemas-microsoft-com:mac:vml" xmlns:ma="http://schemas.microsoft.com/office/mac/drawingml/2008/main" Requires="ma">
+          <mc:Choice xmlns:ma="http://schemas.microsoft.com/office/mac/drawingml/2008/main" xmlns:mv="urn:schemas-microsoft-com:mac:vml" xmlns="" Requires="ma">
             <p:blipFill>
               <a:blip r:embed="rId2"/>
               <a:stretch>
@@ -18588,7 +18618,7 @@
           <p:nvPr/>
         </p:nvPicPr>
         <mc:AlternateContent xmlns:mc="http://schemas.openxmlformats.org/markup-compatibility/2006">
-          <mc:Choice xmlns="" xmlns:mv="urn:schemas-microsoft-com:mac:vml" xmlns:ma="http://schemas.microsoft.com/office/mac/drawingml/2008/main" Requires="ma">
+          <mc:Choice xmlns:ma="http://schemas.microsoft.com/office/mac/drawingml/2008/main" xmlns:mv="urn:schemas-microsoft-com:mac:vml" xmlns="" Requires="ma">
             <p:blipFill>
               <a:blip r:embed="rId2"/>
               <a:stretch>
